--- a/GC_Docker_2023.pptx
+++ b/GC_Docker_2023.pptx
@@ -412,7 +412,7 @@
           <a:p>
             <a:fld id="{B5D7A87D-1CDA-443F-BAE3-82C9C05446C3}" type="datetimeFigureOut">
               <a:rPr lang="en-CA" smtClean="0"/>
-              <a:t>2023-03-22</a:t>
+              <a:t>2023-03-30</a:t>
             </a:fld>
             <a:endParaRPr lang="en-CA"/>
           </a:p>
@@ -723,9 +723,10 @@
           <a:lstStyle/>
           <a:p>
             <a:r>
-              <a:rPr lang="nl-NL" dirty="0"/>
-              <a:t>Thomas:</a:t>
-            </a:r>
+              <a:rPr lang="en-US" dirty="0"/>
+              <a:t>Jeroen</a:t>
+            </a:r>
+            <a:endParaRPr lang="nl-NL" dirty="0"/>
           </a:p>
         </p:txBody>
       </p:sp>
@@ -37329,12 +37330,6 @@
 </file>
 
 <file path=customXml/item1.xml><?xml version="1.0" encoding="utf-8"?>
-<p:properties xmlns:p="http://schemas.microsoft.com/office/2006/metadata/properties" xmlns:xsi="http://www.w3.org/2001/XMLSchema-instance">
-  <documentManagement/>
-</p:properties>
-</file>
-
-<file path=customXml/item2.xml><?xml version="1.0" encoding="utf-8"?>
 <ct:contentTypeSchema xmlns:ct="http://schemas.microsoft.com/office/2006/metadata/contentType" xmlns:ma="http://schemas.microsoft.com/office/2006/metadata/properties/metaAttributes" ct:_="" ma:_="" ma:contentTypeName="Document" ma:contentTypeID="0x010100D06D1DEF71246949A8BE690928B9FA92" ma:contentTypeVersion="12" ma:contentTypeDescription="Create a new document." ma:contentTypeScope="" ma:versionID="c7872194bb344b0e56a5c22949bcefbf">
   <xsd:schema xmlns:xsd="http://www.w3.org/2001/XMLSchema" xmlns:xs="http://www.w3.org/2001/XMLSchema" xmlns:p="http://schemas.microsoft.com/office/2006/metadata/properties" xmlns:ns2="e768024a-b060-4ad5-913a-bcfaadceb1f5" xmlns:ns3="cfa8ccd9-a380-472f-9e14-f384934d746f" targetNamespace="http://schemas.microsoft.com/office/2006/metadata/properties" ma:root="true" ma:fieldsID="9de53672cbd6c87e4c75c35c771fcd17" ns2:_="" ns3:_="">
     <xsd:import namespace="e768024a-b060-4ad5-913a-bcfaadceb1f5"/>
@@ -37551,6 +37546,12 @@
 </ct:contentTypeSchema>
 </file>
 
+<file path=customXml/item2.xml><?xml version="1.0" encoding="utf-8"?>
+<p:properties xmlns:p="http://schemas.microsoft.com/office/2006/metadata/properties" xmlns:xsi="http://www.w3.org/2001/XMLSchema-instance">
+  <documentManagement/>
+</p:properties>
+</file>
+
 <file path=customXml/item3.xml><?xml version="1.0" encoding="utf-8"?>
 <?mso-contentType ?>
 <FormTemplates xmlns="http://schemas.microsoft.com/sharepoint/v3/contenttype/forms">
@@ -37561,6 +37562,12 @@
 </file>
 
 <file path=customXml/itemProps1.xml><?xml version="1.0" encoding="utf-8"?>
+<ds:datastoreItem xmlns:ds="http://schemas.openxmlformats.org/officeDocument/2006/customXml" ds:itemID="{91C7B255-3552-497C-B3C7-0572EE08EA37}">
+  <ds:schemaRefs/>
+</ds:datastoreItem>
+</file>
+
+<file path=customXml/itemProps2.xml><?xml version="1.0" encoding="utf-8"?>
 <ds:datastoreItem xmlns:ds="http://schemas.openxmlformats.org/officeDocument/2006/customXml" ds:itemID="{2F4C4F6A-F6A5-45C8-BAAA-52FB70E387C7}">
   <ds:schemaRefs>
     <ds:schemaRef ds:uri="http://schemas.microsoft.com/office/infopath/2007/PartnerControls"/>
@@ -37577,12 +37584,6 @@
 </ds:datastoreItem>
 </file>
 
-<file path=customXml/itemProps2.xml><?xml version="1.0" encoding="utf-8"?>
-<ds:datastoreItem xmlns:ds="http://schemas.openxmlformats.org/officeDocument/2006/customXml" ds:itemID="{91C7B255-3552-497C-B3C7-0572EE08EA37}">
-  <ds:schemaRefs/>
-</ds:datastoreItem>
-</file>
-
 <file path=customXml/itemProps3.xml><?xml version="1.0" encoding="utf-8"?>
 <ds:datastoreItem xmlns:ds="http://schemas.openxmlformats.org/officeDocument/2006/customXml" ds:itemID="{ADA5D674-9920-4D2F-B065-BC24FD29F86D}">
   <ds:schemaRefs>
